--- a/JeanPiaget/2019-2020/Presentaciones/2_Un2_V_DelimitaciónProblema.pptx
+++ b/JeanPiaget/2019-2020/Presentaciones/2_Un2_V_DelimitaciónProblema.pptx
@@ -28,6 +28,8 @@
     <p:sldId id="280" r:id="rId22"/>
     <p:sldId id="279" r:id="rId23"/>
     <p:sldId id="283" r:id="rId24"/>
+    <p:sldId id="284" r:id="rId25"/>
+    <p:sldId id="285" r:id="rId26"/>
   </p:sldIdLst>
   <p:sldSz cx="12192000" cy="6858000"/>
   <p:notesSz cx="6858000" cy="9144000"/>
@@ -276,7 +278,7 @@
           <a:p>
             <a:fld id="{7DC7FC40-7FED-47B8-B2EA-5B4D2703D2A4}" type="datetimeFigureOut">
               <a:rPr lang="es-MX" smtClean="0"/>
-              <a:t>29/08/2019</a:t>
+              <a:t>04/09/2019</a:t>
             </a:fld>
             <a:endParaRPr lang="es-MX"/>
           </a:p>
@@ -446,7 +448,7 @@
           <a:p>
             <a:fld id="{7DC7FC40-7FED-47B8-B2EA-5B4D2703D2A4}" type="datetimeFigureOut">
               <a:rPr lang="es-MX" smtClean="0"/>
-              <a:t>29/08/2019</a:t>
+              <a:t>04/09/2019</a:t>
             </a:fld>
             <a:endParaRPr lang="es-MX"/>
           </a:p>
@@ -626,7 +628,7 @@
           <a:p>
             <a:fld id="{7DC7FC40-7FED-47B8-B2EA-5B4D2703D2A4}" type="datetimeFigureOut">
               <a:rPr lang="es-MX" smtClean="0"/>
-              <a:t>29/08/2019</a:t>
+              <a:t>04/09/2019</a:t>
             </a:fld>
             <a:endParaRPr lang="es-MX"/>
           </a:p>
@@ -796,7 +798,7 @@
           <a:p>
             <a:fld id="{7DC7FC40-7FED-47B8-B2EA-5B4D2703D2A4}" type="datetimeFigureOut">
               <a:rPr lang="es-MX" smtClean="0"/>
-              <a:t>29/08/2019</a:t>
+              <a:t>04/09/2019</a:t>
             </a:fld>
             <a:endParaRPr lang="es-MX"/>
           </a:p>
@@ -1042,7 +1044,7 @@
           <a:p>
             <a:fld id="{7DC7FC40-7FED-47B8-B2EA-5B4D2703D2A4}" type="datetimeFigureOut">
               <a:rPr lang="es-MX" smtClean="0"/>
-              <a:t>29/08/2019</a:t>
+              <a:t>04/09/2019</a:t>
             </a:fld>
             <a:endParaRPr lang="es-MX"/>
           </a:p>
@@ -1274,7 +1276,7 @@
           <a:p>
             <a:fld id="{7DC7FC40-7FED-47B8-B2EA-5B4D2703D2A4}" type="datetimeFigureOut">
               <a:rPr lang="es-MX" smtClean="0"/>
-              <a:t>29/08/2019</a:t>
+              <a:t>04/09/2019</a:t>
             </a:fld>
             <a:endParaRPr lang="es-MX"/>
           </a:p>
@@ -1641,7 +1643,7 @@
           <a:p>
             <a:fld id="{7DC7FC40-7FED-47B8-B2EA-5B4D2703D2A4}" type="datetimeFigureOut">
               <a:rPr lang="es-MX" smtClean="0"/>
-              <a:t>29/08/2019</a:t>
+              <a:t>04/09/2019</a:t>
             </a:fld>
             <a:endParaRPr lang="es-MX"/>
           </a:p>
@@ -1759,7 +1761,7 @@
           <a:p>
             <a:fld id="{7DC7FC40-7FED-47B8-B2EA-5B4D2703D2A4}" type="datetimeFigureOut">
               <a:rPr lang="es-MX" smtClean="0"/>
-              <a:t>29/08/2019</a:t>
+              <a:t>04/09/2019</a:t>
             </a:fld>
             <a:endParaRPr lang="es-MX"/>
           </a:p>
@@ -1854,7 +1856,7 @@
           <a:p>
             <a:fld id="{7DC7FC40-7FED-47B8-B2EA-5B4D2703D2A4}" type="datetimeFigureOut">
               <a:rPr lang="es-MX" smtClean="0"/>
-              <a:t>29/08/2019</a:t>
+              <a:t>04/09/2019</a:t>
             </a:fld>
             <a:endParaRPr lang="es-MX"/>
           </a:p>
@@ -2131,7 +2133,7 @@
           <a:p>
             <a:fld id="{7DC7FC40-7FED-47B8-B2EA-5B4D2703D2A4}" type="datetimeFigureOut">
               <a:rPr lang="es-MX" smtClean="0"/>
-              <a:t>29/08/2019</a:t>
+              <a:t>04/09/2019</a:t>
             </a:fld>
             <a:endParaRPr lang="es-MX"/>
           </a:p>
@@ -2384,7 +2386,7 @@
           <a:p>
             <a:fld id="{7DC7FC40-7FED-47B8-B2EA-5B4D2703D2A4}" type="datetimeFigureOut">
               <a:rPr lang="es-MX" smtClean="0"/>
-              <a:t>29/08/2019</a:t>
+              <a:t>04/09/2019</a:t>
             </a:fld>
             <a:endParaRPr lang="es-MX"/>
           </a:p>
@@ -2597,7 +2599,7 @@
           <a:p>
             <a:fld id="{7DC7FC40-7FED-47B8-B2EA-5B4D2703D2A4}" type="datetimeFigureOut">
               <a:rPr lang="es-MX" smtClean="0"/>
-              <a:t>29/08/2019</a:t>
+              <a:t>04/09/2019</a:t>
             </a:fld>
             <a:endParaRPr lang="es-MX"/>
           </a:p>
@@ -6441,6 +6443,307 @@
 </p:sld>
 </file>
 
+<file path=ppt/slides/slide24.xml><?xml version="1.0" encoding="utf-8"?>
+<p:sld xmlns:a="http://schemas.openxmlformats.org/drawingml/2006/main" xmlns:r="http://schemas.openxmlformats.org/officeDocument/2006/relationships" xmlns:p="http://schemas.openxmlformats.org/presentationml/2006/main">
+  <p:cSld>
+    <p:spTree>
+      <p:nvGrpSpPr>
+        <p:cNvPr id="1" name=""/>
+        <p:cNvGrpSpPr/>
+        <p:nvPr/>
+      </p:nvGrpSpPr>
+      <p:grpSpPr>
+        <a:xfrm>
+          <a:off x="0" y="0"/>
+          <a:ext cx="0" cy="0"/>
+          <a:chOff x="0" y="0"/>
+          <a:chExt cx="0" cy="0"/>
+        </a:xfrm>
+      </p:grpSpPr>
+      <p:sp>
+        <p:nvSpPr>
+          <p:cNvPr id="2" name="Título 1"/>
+          <p:cNvSpPr>
+            <a:spLocks noGrp="1"/>
+          </p:cNvSpPr>
+          <p:nvPr>
+            <p:ph type="ctrTitle"/>
+          </p:nvPr>
+        </p:nvSpPr>
+        <p:spPr>
+          <a:xfrm>
+            <a:off x="1524000" y="660400"/>
+            <a:ext cx="9144000" cy="2387600"/>
+          </a:xfrm>
+        </p:spPr>
+        <p:txBody>
+          <a:bodyPr/>
+          <a:lstStyle/>
+          <a:p>
+            <a:r>
+              <a:rPr lang="es-ES_tradnl" b="1" dirty="0" smtClean="0"/>
+              <a:t>La pregunta de investigación</a:t>
+            </a:r>
+            <a:br>
+              <a:rPr lang="es-ES_tradnl" b="1" dirty="0" smtClean="0"/>
+            </a:br>
+            <a:endParaRPr lang="es-MX" dirty="0"/>
+          </a:p>
+        </p:txBody>
+      </p:sp>
+      <p:sp>
+        <p:nvSpPr>
+          <p:cNvPr id="3" name="Subtítulo 2"/>
+          <p:cNvSpPr>
+            <a:spLocks noGrp="1"/>
+          </p:cNvSpPr>
+          <p:nvPr>
+            <p:ph type="subTitle" idx="1"/>
+          </p:nvPr>
+        </p:nvSpPr>
+        <p:spPr/>
+        <p:txBody>
+          <a:bodyPr/>
+          <a:lstStyle/>
+          <a:p>
+            <a:endParaRPr lang="es-MX"/>
+          </a:p>
+        </p:txBody>
+      </p:sp>
+      <p:pic>
+        <p:nvPicPr>
+          <p:cNvPr id="4" name="Picture 2" descr="Resultado de imagen para InterÃ©s"/>
+          <p:cNvPicPr>
+            <a:picLocks noChangeAspect="1" noChangeArrowheads="1"/>
+          </p:cNvPicPr>
+          <p:nvPr/>
+        </p:nvPicPr>
+        <p:blipFill>
+          <a:blip r:embed="rId2">
+            <a:extLst>
+              <a:ext uri="{28A0092B-C50C-407E-A947-70E740481C1C}">
+                <a14:useLocalDpi xmlns:a14="http://schemas.microsoft.com/office/drawing/2010/main" val="0"/>
+              </a:ext>
+            </a:extLst>
+          </a:blip>
+          <a:srcRect/>
+          <a:stretch>
+            <a:fillRect/>
+          </a:stretch>
+        </p:blipFill>
+        <p:spPr bwMode="auto">
+          <a:xfrm>
+            <a:off x="3488266" y="2434873"/>
+            <a:ext cx="5096933" cy="3397955"/>
+          </a:xfrm>
+          <a:prstGeom prst="rect">
+            <a:avLst/>
+          </a:prstGeom>
+          <a:noFill/>
+          <a:extLst>
+            <a:ext uri="{909E8E84-426E-40DD-AFC4-6F175D3DCCD1}">
+              <a14:hiddenFill xmlns:a14="http://schemas.microsoft.com/office/drawing/2010/main">
+                <a:solidFill>
+                  <a:srgbClr val="FFFFFF"/>
+                </a:solidFill>
+              </a14:hiddenFill>
+            </a:ext>
+          </a:extLst>
+        </p:spPr>
+      </p:pic>
+      <p:sp>
+        <p:nvSpPr>
+          <p:cNvPr id="5" name="Rectángulo 4"/>
+          <p:cNvSpPr/>
+          <p:nvPr/>
+        </p:nvSpPr>
+        <p:spPr>
+          <a:xfrm>
+            <a:off x="0" y="0"/>
+            <a:ext cx="12192000" cy="660400"/>
+          </a:xfrm>
+          <a:prstGeom prst="rect">
+            <a:avLst/>
+          </a:prstGeom>
+        </p:spPr>
+        <p:style>
+          <a:lnRef idx="0">
+            <a:schemeClr val="accent4"/>
+          </a:lnRef>
+          <a:fillRef idx="3">
+            <a:schemeClr val="accent4"/>
+          </a:fillRef>
+          <a:effectRef idx="3">
+            <a:schemeClr val="accent4"/>
+          </a:effectRef>
+          <a:fontRef idx="minor">
+            <a:schemeClr val="lt1"/>
+          </a:fontRef>
+        </p:style>
+        <p:txBody>
+          <a:bodyPr rtlCol="0" anchor="ctr"/>
+          <a:lstStyle/>
+          <a:p>
+            <a:pPr algn="ctr"/>
+            <a:endParaRPr lang="es-MX"/>
+          </a:p>
+        </p:txBody>
+      </p:sp>
+      <p:sp>
+        <p:nvSpPr>
+          <p:cNvPr id="6" name="Rectángulo 5"/>
+          <p:cNvSpPr/>
+          <p:nvPr/>
+        </p:nvSpPr>
+        <p:spPr>
+          <a:xfrm>
+            <a:off x="0" y="6197600"/>
+            <a:ext cx="12192000" cy="660400"/>
+          </a:xfrm>
+          <a:prstGeom prst="rect">
+            <a:avLst/>
+          </a:prstGeom>
+        </p:spPr>
+        <p:style>
+          <a:lnRef idx="0">
+            <a:schemeClr val="accent4"/>
+          </a:lnRef>
+          <a:fillRef idx="3">
+            <a:schemeClr val="accent4"/>
+          </a:fillRef>
+          <a:effectRef idx="3">
+            <a:schemeClr val="accent4"/>
+          </a:effectRef>
+          <a:fontRef idx="minor">
+            <a:schemeClr val="lt1"/>
+          </a:fontRef>
+        </p:style>
+        <p:txBody>
+          <a:bodyPr rtlCol="0" anchor="ctr"/>
+          <a:lstStyle/>
+          <a:p>
+            <a:pPr algn="ctr"/>
+            <a:endParaRPr lang="es-MX"/>
+          </a:p>
+        </p:txBody>
+      </p:sp>
+    </p:spTree>
+    <p:extLst>
+      <p:ext uri="{BB962C8B-B14F-4D97-AF65-F5344CB8AC3E}">
+        <p14:creationId xmlns:p14="http://schemas.microsoft.com/office/powerpoint/2010/main" val="3515677253"/>
+      </p:ext>
+    </p:extLst>
+  </p:cSld>
+  <p:clrMapOvr>
+    <a:masterClrMapping/>
+  </p:clrMapOvr>
+  <p:timing>
+    <p:tnLst>
+      <p:par>
+        <p:cTn id="1" dur="indefinite" restart="never" nodeType="tmRoot"/>
+      </p:par>
+    </p:tnLst>
+  </p:timing>
+</p:sld>
+</file>
+
+<file path=ppt/slides/slide25.xml><?xml version="1.0" encoding="utf-8"?>
+<p:sld xmlns:a="http://schemas.openxmlformats.org/drawingml/2006/main" xmlns:r="http://schemas.openxmlformats.org/officeDocument/2006/relationships" xmlns:p="http://schemas.openxmlformats.org/presentationml/2006/main">
+  <p:cSld>
+    <p:spTree>
+      <p:nvGrpSpPr>
+        <p:cNvPr id="1" name=""/>
+        <p:cNvGrpSpPr/>
+        <p:nvPr/>
+      </p:nvGrpSpPr>
+      <p:grpSpPr>
+        <a:xfrm>
+          <a:off x="0" y="0"/>
+          <a:ext cx="0" cy="0"/>
+          <a:chOff x="0" y="0"/>
+          <a:chExt cx="0" cy="0"/>
+        </a:xfrm>
+      </p:grpSpPr>
+      <p:sp>
+        <p:nvSpPr>
+          <p:cNvPr id="2" name="Título 1"/>
+          <p:cNvSpPr>
+            <a:spLocks noGrp="1"/>
+          </p:cNvSpPr>
+          <p:nvPr>
+            <p:ph type="title"/>
+          </p:nvPr>
+        </p:nvSpPr>
+        <p:spPr/>
+        <p:txBody>
+          <a:bodyPr/>
+          <a:lstStyle/>
+          <a:p>
+            <a:endParaRPr lang="es-MX"/>
+          </a:p>
+        </p:txBody>
+      </p:sp>
+      <p:sp>
+        <p:nvSpPr>
+          <p:cNvPr id="3" name="Marcador de contenido 2"/>
+          <p:cNvSpPr>
+            <a:spLocks noGrp="1"/>
+          </p:cNvSpPr>
+          <p:nvPr>
+            <p:ph idx="1"/>
+          </p:nvPr>
+        </p:nvSpPr>
+        <p:spPr/>
+        <p:txBody>
+          <a:bodyPr/>
+          <a:lstStyle/>
+          <a:p>
+            <a:r>
+              <a:rPr lang="es-ES_tradnl" dirty="0"/>
+              <a:t>- Investigación exploratoria</a:t>
+            </a:r>
+            <a:endParaRPr lang="es-MX" dirty="0"/>
+          </a:p>
+          <a:p>
+            <a:r>
+              <a:rPr lang="es-ES_tradnl" dirty="0"/>
+              <a:t>- Investigación descriptiva</a:t>
+            </a:r>
+            <a:endParaRPr lang="es-MX" dirty="0"/>
+          </a:p>
+          <a:p>
+            <a:r>
+              <a:rPr lang="es-ES_tradnl" dirty="0"/>
+              <a:t>- Investigación </a:t>
+            </a:r>
+            <a:r>
+              <a:rPr lang="es-ES_tradnl" dirty="0" err="1"/>
+              <a:t>correlacional</a:t>
+            </a:r>
+            <a:r>
+              <a:rPr lang="es-ES_tradnl" dirty="0"/>
+              <a:t> y causal.</a:t>
+            </a:r>
+            <a:endParaRPr lang="es-MX" dirty="0"/>
+          </a:p>
+          <a:p>
+            <a:endParaRPr lang="es-MX" dirty="0"/>
+          </a:p>
+        </p:txBody>
+      </p:sp>
+    </p:spTree>
+    <p:extLst>
+      <p:ext uri="{BB962C8B-B14F-4D97-AF65-F5344CB8AC3E}">
+        <p14:creationId xmlns:p14="http://schemas.microsoft.com/office/powerpoint/2010/main" val="1396671958"/>
+      </p:ext>
+    </p:extLst>
+  </p:cSld>
+  <p:clrMapOvr>
+    <a:masterClrMapping/>
+  </p:clrMapOvr>
+</p:sld>
+</file>
+
 <file path=ppt/slides/slide3.xml><?xml version="1.0" encoding="utf-8"?>
 <p:sld xmlns:a="http://schemas.openxmlformats.org/drawingml/2006/main" xmlns:r="http://schemas.openxmlformats.org/officeDocument/2006/relationships" xmlns:p="http://schemas.openxmlformats.org/presentationml/2006/main">
   <p:cSld>
